--- a/IMG/pyro/pyro_readme.pptx
+++ b/IMG/pyro/pyro_readme.pptx
@@ -105,6 +105,11 @@
       </a:defRPr>
     </a:lvl9pPr>
   </p:defaultTextStyle>
+  <p:extLst>
+    <p:ext uri="{EFAFB233-063F-42B5-8137-9DF3F51BA10A}">
+      <p15:sldGuideLst xmlns:p15="http://schemas.microsoft.com/office/powerpoint/2012/main"/>
+    </p:ext>
+  </p:extLst>
 </p:presentation>
 </file>
 
@@ -3665,8 +3670,8 @@
             </a:p>
           </p:txBody>
         </p:sp>
-        <mc:AlternateContent xmlns:mc="http://schemas.openxmlformats.org/markup-compatibility/2006">
-          <mc:Choice xmlns:a14="http://schemas.microsoft.com/office/drawing/2010/main" Requires="a14">
+        <mc:AlternateContent xmlns:mc="http://schemas.openxmlformats.org/markup-compatibility/2006" xmlns:a14="http://schemas.microsoft.com/office/drawing/2010/main">
+          <mc:Choice Requires="a14">
             <p:sp>
               <p:nvSpPr>
                 <p:cNvPr id="5" name="TextBox 4">
@@ -3854,7 +3859,7 @@
               </p:txBody>
             </p:sp>
           </mc:Choice>
-          <mc:Fallback>
+          <mc:Fallback xmlns="">
             <p:sp>
               <p:nvSpPr>
                 <p:cNvPr id="5" name="TextBox 4">
@@ -3953,8 +3958,8 @@
             </a:p>
           </p:txBody>
         </p:sp>
-        <mc:AlternateContent xmlns:mc="http://schemas.openxmlformats.org/markup-compatibility/2006">
-          <mc:Choice xmlns:a14="http://schemas.microsoft.com/office/drawing/2010/main" Requires="a14">
+        <mc:AlternateContent xmlns:mc="http://schemas.openxmlformats.org/markup-compatibility/2006" xmlns:a14="http://schemas.microsoft.com/office/drawing/2010/main">
+          <mc:Choice Requires="a14">
             <p:sp>
               <p:nvSpPr>
                 <p:cNvPr id="7" name="TextBox 6">
@@ -4083,7 +4088,7 @@
               </p:txBody>
             </p:sp>
           </mc:Choice>
-          <mc:Fallback>
+          <mc:Fallback xmlns="">
             <p:sp>
               <p:nvSpPr>
                 <p:cNvPr id="7" name="TextBox 6">
@@ -4217,8 +4222,8 @@
             </a:p>
           </p:txBody>
         </p:sp>
-        <mc:AlternateContent xmlns:mc="http://schemas.openxmlformats.org/markup-compatibility/2006">
-          <mc:Choice xmlns:a14="http://schemas.microsoft.com/office/drawing/2010/main" Requires="a14">
+        <mc:AlternateContent xmlns:mc="http://schemas.openxmlformats.org/markup-compatibility/2006" xmlns:a14="http://schemas.microsoft.com/office/drawing/2010/main">
+          <mc:Choice Requires="a14">
             <p:sp>
               <p:nvSpPr>
                 <p:cNvPr id="10" name="TextBox 9">
@@ -4491,7 +4496,7 @@
               </p:txBody>
             </p:sp>
           </mc:Choice>
-          <mc:Fallback>
+          <mc:Fallback xmlns="">
             <p:sp>
               <p:nvSpPr>
                 <p:cNvPr id="10" name="TextBox 9">
@@ -4625,8 +4630,8 @@
             </a:p>
           </p:txBody>
         </p:sp>
-        <mc:AlternateContent xmlns:mc="http://schemas.openxmlformats.org/markup-compatibility/2006">
-          <mc:Choice xmlns:a14="http://schemas.microsoft.com/office/drawing/2010/main" Requires="a14">
+        <mc:AlternateContent xmlns:mc="http://schemas.openxmlformats.org/markup-compatibility/2006" xmlns:a14="http://schemas.microsoft.com/office/drawing/2010/main">
+          <mc:Choice Requires="a14">
             <p:sp>
               <p:nvSpPr>
                 <p:cNvPr id="13" name="TextBox 12">
@@ -4752,7 +4757,7 @@
               </p:txBody>
             </p:sp>
           </mc:Choice>
-          <mc:Fallback>
+          <mc:Fallback xmlns="">
             <p:sp>
               <p:nvSpPr>
                 <p:cNvPr id="13" name="TextBox 12">
@@ -4962,8 +4967,8 @@
             </a:p>
           </p:txBody>
         </p:sp>
-        <mc:AlternateContent xmlns:mc="http://schemas.openxmlformats.org/markup-compatibility/2006">
-          <mc:Choice xmlns:a14="http://schemas.microsoft.com/office/drawing/2010/main" Requires="a14">
+        <mc:AlternateContent xmlns:mc="http://schemas.openxmlformats.org/markup-compatibility/2006" xmlns:a14="http://schemas.microsoft.com/office/drawing/2010/main">
+          <mc:Choice Requires="a14">
             <p:sp>
               <p:nvSpPr>
                 <p:cNvPr id="18" name="TextBox 17">
@@ -5134,7 +5139,7 @@
               </p:txBody>
             </p:sp>
           </mc:Choice>
-          <mc:Fallback>
+          <mc:Fallback xmlns="">
             <p:sp>
               <p:nvSpPr>
                 <p:cNvPr id="18" name="TextBox 17">
@@ -5179,8 +5184,8 @@
             </p:sp>
           </mc:Fallback>
         </mc:AlternateContent>
-        <mc:AlternateContent xmlns:mc="http://schemas.openxmlformats.org/markup-compatibility/2006">
-          <mc:Choice xmlns:a14="http://schemas.microsoft.com/office/drawing/2010/main" Requires="a14">
+        <mc:AlternateContent xmlns:mc="http://schemas.openxmlformats.org/markup-compatibility/2006" xmlns:a14="http://schemas.microsoft.com/office/drawing/2010/main">
+          <mc:Choice Requires="a14">
             <p:sp>
               <p:nvSpPr>
                 <p:cNvPr id="19" name="TextBox 18">
@@ -5342,7 +5347,7 @@
               </p:txBody>
             </p:sp>
           </mc:Choice>
-          <mc:Fallback>
+          <mc:Fallback xmlns="">
             <p:sp>
               <p:nvSpPr>
                 <p:cNvPr id="19" name="TextBox 18">
@@ -9693,10 +9698,10 @@
       </p:grpSpPr>
       <p:grpSp>
         <p:nvGrpSpPr>
-          <p:cNvPr id="58" name="Group 57">
+          <p:cNvPr id="3" name="Group 2">
             <a:extLst>
               <a:ext uri="{FF2B5EF4-FFF2-40B4-BE49-F238E27FC236}">
-                <a16:creationId xmlns:a16="http://schemas.microsoft.com/office/drawing/2014/main" id="{A4C450C1-05B5-EBC4-2314-029EF96799BE}"/>
+                <a16:creationId xmlns:a16="http://schemas.microsoft.com/office/drawing/2014/main" id="{BF854C6A-8BEE-BCE3-C2B7-48EB6AC07855}"/>
               </a:ext>
             </a:extLst>
           </p:cNvPr>
@@ -9705,10 +9710,10 @@
         </p:nvGrpSpPr>
         <p:grpSpPr>
           <a:xfrm>
-            <a:off x="1604497" y="1450428"/>
-            <a:ext cx="8086042" cy="2953406"/>
-            <a:chOff x="1604497" y="1450428"/>
-            <a:chExt cx="8086042" cy="2953406"/>
+            <a:off x="1604497" y="951569"/>
+            <a:ext cx="8086042" cy="3452265"/>
+            <a:chOff x="1604497" y="951569"/>
+            <a:chExt cx="8086042" cy="3452265"/>
           </a:xfrm>
         </p:grpSpPr>
         <p:sp>
@@ -9725,8 +9730,8 @@
           </p:nvSpPr>
           <p:spPr>
             <a:xfrm>
-              <a:off x="1604497" y="1450428"/>
-              <a:ext cx="8086042" cy="2953406"/>
+              <a:off x="1604497" y="951569"/>
+              <a:ext cx="8086042" cy="3452265"/>
             </a:xfrm>
             <a:prstGeom prst="rect">
               <a:avLst/>
@@ -9893,8 +9898,8 @@
               </a:p>
             </p:txBody>
           </p:sp>
-          <mc:AlternateContent xmlns:mc="http://schemas.openxmlformats.org/markup-compatibility/2006">
-            <mc:Choice xmlns:a14="http://schemas.microsoft.com/office/drawing/2010/main" Requires="a14">
+          <mc:AlternateContent xmlns:mc="http://schemas.openxmlformats.org/markup-compatibility/2006" xmlns:a14="http://schemas.microsoft.com/office/drawing/2010/main">
+            <mc:Choice Requires="a14">
               <p:sp>
                 <p:nvSpPr>
                   <p:cNvPr id="6" name="TextBox 5">
@@ -10009,7 +10014,7 @@
                 </p:txBody>
               </p:sp>
             </mc:Choice>
-            <mc:Fallback>
+            <mc:Fallback xmlns="">
               <p:sp>
                 <p:nvSpPr>
                   <p:cNvPr id="6" name="TextBox 5">
@@ -10054,8 +10059,8 @@
               </p:sp>
             </mc:Fallback>
           </mc:AlternateContent>
-          <mc:AlternateContent xmlns:mc="http://schemas.openxmlformats.org/markup-compatibility/2006">
-            <mc:Choice xmlns:a14="http://schemas.microsoft.com/office/drawing/2010/main" Requires="a14">
+          <mc:AlternateContent xmlns:mc="http://schemas.openxmlformats.org/markup-compatibility/2006" xmlns:a14="http://schemas.microsoft.com/office/drawing/2010/main">
+            <mc:Choice Requires="a14">
               <p:sp>
                 <p:nvSpPr>
                   <p:cNvPr id="8" name="TextBox 7">
@@ -10159,7 +10164,7 @@
                 </p:txBody>
               </p:sp>
             </mc:Choice>
-            <mc:Fallback>
+            <mc:Fallback xmlns="">
               <p:sp>
                 <p:nvSpPr>
                   <p:cNvPr id="8" name="TextBox 7">
@@ -10312,8 +10317,8 @@
               </a:p>
             </p:txBody>
           </p:sp>
-          <mc:AlternateContent xmlns:mc="http://schemas.openxmlformats.org/markup-compatibility/2006">
-            <mc:Choice xmlns:a14="http://schemas.microsoft.com/office/drawing/2010/main" Requires="a14">
+          <mc:AlternateContent xmlns:mc="http://schemas.openxmlformats.org/markup-compatibility/2006" xmlns:a14="http://schemas.microsoft.com/office/drawing/2010/main">
+            <mc:Choice Requires="a14">
               <p:sp>
                 <p:nvSpPr>
                   <p:cNvPr id="11" name="TextBox 10">
@@ -10372,7 +10377,7 @@
                 </p:txBody>
               </p:sp>
             </mc:Choice>
-            <mc:Fallback>
+            <mc:Fallback xmlns="">
               <p:sp>
                 <p:nvSpPr>
                   <p:cNvPr id="11" name="TextBox 10">
@@ -10505,8 +10510,8 @@
               </a:fontRef>
             </p:style>
           </p:cxnSp>
-          <mc:AlternateContent xmlns:mc="http://schemas.openxmlformats.org/markup-compatibility/2006">
-            <mc:Choice xmlns:a14="http://schemas.microsoft.com/office/drawing/2010/main" Requires="a14">
+          <mc:AlternateContent xmlns:mc="http://schemas.openxmlformats.org/markup-compatibility/2006" xmlns:a14="http://schemas.microsoft.com/office/drawing/2010/main">
+            <mc:Choice Requires="a14">
               <p:sp>
                 <p:nvSpPr>
                   <p:cNvPr id="20" name="TextBox 19">
@@ -10556,7 +10561,7 @@
                 </p:txBody>
               </p:sp>
             </mc:Choice>
-            <mc:Fallback>
+            <mc:Fallback xmlns="">
               <p:sp>
                 <p:nvSpPr>
                   <p:cNvPr id="20" name="TextBox 19">
@@ -10645,8 +10650,8 @@
               </a:fontRef>
             </p:style>
           </p:cxnSp>
-          <mc:AlternateContent xmlns:mc="http://schemas.openxmlformats.org/markup-compatibility/2006">
-            <mc:Choice xmlns:a14="http://schemas.microsoft.com/office/drawing/2010/main" Requires="a14">
+          <mc:AlternateContent xmlns:mc="http://schemas.openxmlformats.org/markup-compatibility/2006" xmlns:a14="http://schemas.microsoft.com/office/drawing/2010/main">
+            <mc:Choice Requires="a14">
               <p:sp>
                 <p:nvSpPr>
                   <p:cNvPr id="24" name="TextBox 23">
@@ -10696,7 +10701,7 @@
                 </p:txBody>
               </p:sp>
             </mc:Choice>
-            <mc:Fallback>
+            <mc:Fallback xmlns="">
               <p:sp>
                 <p:nvSpPr>
                   <p:cNvPr id="24" name="TextBox 23">
@@ -10785,8 +10790,8 @@
               </a:fontRef>
             </p:style>
           </p:cxnSp>
-          <mc:AlternateContent xmlns:mc="http://schemas.openxmlformats.org/markup-compatibility/2006">
-            <mc:Choice xmlns:a14="http://schemas.microsoft.com/office/drawing/2010/main" Requires="a14">
+          <mc:AlternateContent xmlns:mc="http://schemas.openxmlformats.org/markup-compatibility/2006" xmlns:a14="http://schemas.microsoft.com/office/drawing/2010/main">
+            <mc:Choice Requires="a14">
               <p:sp>
                 <p:nvSpPr>
                   <p:cNvPr id="26" name="TextBox 25">
@@ -10836,7 +10841,7 @@
                 </p:txBody>
               </p:sp>
             </mc:Choice>
-            <mc:Fallback>
+            <mc:Fallback xmlns="">
               <p:sp>
                 <p:nvSpPr>
                   <p:cNvPr id="26" name="TextBox 25">
@@ -12026,7 +12031,7 @@
                 </p:nvSpPr>
                 <p:spPr>
                   <a:xfrm>
-                    <a:off x="3205655" y="3685586"/>
+                    <a:off x="3086751" y="3696018"/>
                     <a:ext cx="1295096" cy="307777"/>
                   </a:xfrm>
                   <a:prstGeom prst="rect">
@@ -12160,7 +12165,7 @@
                 </p:nvSpPr>
                 <p:spPr>
                   <a:xfrm>
-                    <a:off x="3205655" y="3685586"/>
+                    <a:off x="3086751" y="3696018"/>
                     <a:ext cx="1295096" cy="307777"/>
                   </a:xfrm>
                   <a:prstGeom prst="rect">
@@ -12169,7 +12174,7 @@
                   <a:blipFill>
                     <a:blip r:embed="rId8"/>
                     <a:stretch>
-                      <a:fillRect b="-24000"/>
+                      <a:fillRect b="-23077"/>
                     </a:stretch>
                   </a:blipFill>
                 </p:spPr>
@@ -12188,8 +12193,8 @@
               </p:sp>
             </mc:Fallback>
           </mc:AlternateContent>
-          <mc:AlternateContent xmlns:mc="http://schemas.openxmlformats.org/markup-compatibility/2006">
-            <mc:Choice xmlns:a14="http://schemas.microsoft.com/office/drawing/2010/main" Requires="a14">
+          <mc:AlternateContent xmlns:mc="http://schemas.openxmlformats.org/markup-compatibility/2006" xmlns:a14="http://schemas.microsoft.com/office/drawing/2010/main">
+            <mc:Choice Requires="a14">
               <p:sp>
                 <p:nvSpPr>
                   <p:cNvPr id="28" name="TextBox 27">
@@ -12250,7 +12255,7 @@
                 </p:txBody>
               </p:sp>
             </mc:Choice>
-            <mc:Fallback>
+            <mc:Fallback xmlns="">
               <p:sp>
                 <p:nvSpPr>
                   <p:cNvPr id="28" name="TextBox 27">
@@ -12423,8 +12428,8 @@
               </a:p>
             </p:txBody>
           </p:sp>
-          <mc:AlternateContent xmlns:mc="http://schemas.openxmlformats.org/markup-compatibility/2006">
-            <mc:Choice xmlns:a14="http://schemas.microsoft.com/office/drawing/2010/main" Requires="a14">
+          <mc:AlternateContent xmlns:mc="http://schemas.openxmlformats.org/markup-compatibility/2006" xmlns:a14="http://schemas.microsoft.com/office/drawing/2010/main">
+            <mc:Choice Requires="a14">
               <p:sp>
                 <p:nvSpPr>
                   <p:cNvPr id="42" name="TextBox 41">
@@ -12507,7 +12512,7 @@
                 </p:txBody>
               </p:sp>
             </mc:Choice>
-            <mc:Fallback>
+            <mc:Fallback xmlns="">
               <p:sp>
                 <p:nvSpPr>
                   <p:cNvPr id="42" name="TextBox 41">
@@ -12553,39 +12558,42 @@
             </mc:Fallback>
           </mc:AlternateContent>
         </p:grpSp>
+        <p:sp>
+          <p:nvSpPr>
+            <p:cNvPr id="2" name="TextBox 1">
+              <a:extLst>
+                <a:ext uri="{FF2B5EF4-FFF2-40B4-BE49-F238E27FC236}">
+                  <a16:creationId xmlns:a16="http://schemas.microsoft.com/office/drawing/2014/main" id="{74635996-747F-8B92-C641-90987E1DFD88}"/>
+                </a:ext>
+              </a:extLst>
+            </p:cNvPr>
+            <p:cNvSpPr txBox="1"/>
+            <p:nvPr/>
+          </p:nvSpPr>
+          <p:spPr>
+            <a:xfrm>
+              <a:off x="2946554" y="951569"/>
+              <a:ext cx="5327484" cy="523220"/>
+            </a:xfrm>
+            <a:prstGeom prst="rect">
+              <a:avLst/>
+            </a:prstGeom>
+            <a:noFill/>
+          </p:spPr>
+          <p:txBody>
+            <a:bodyPr wrap="none" rtlCol="0">
+              <a:spAutoFit/>
+            </a:bodyPr>
+            <a:lstStyle/>
+            <a:p>
+              <a:r>
+                <a:rPr lang="en-US" sz="2800" b="1" dirty="0"/>
+                <a:t>Dynamic System Core Architecture</a:t>
+              </a:r>
+            </a:p>
+          </p:txBody>
+        </p:sp>
       </p:grpSp>
-      <p:sp>
-        <p:nvSpPr>
-          <p:cNvPr id="59" name="TextBox 58">
-            <a:extLst>
-              <a:ext uri="{FF2B5EF4-FFF2-40B4-BE49-F238E27FC236}">
-                <a16:creationId xmlns:a16="http://schemas.microsoft.com/office/drawing/2014/main" id="{820A5B55-B59C-2320-C72B-372314FB9083}"/>
-              </a:ext>
-            </a:extLst>
-          </p:cNvPr>
-          <p:cNvSpPr txBox="1"/>
-          <p:nvPr/>
-        </p:nvSpPr>
-        <p:spPr>
-          <a:xfrm>
-            <a:off x="5517931" y="5885793"/>
-            <a:ext cx="184731" cy="369332"/>
-          </a:xfrm>
-          <a:prstGeom prst="rect">
-            <a:avLst/>
-          </a:prstGeom>
-          <a:noFill/>
-        </p:spPr>
-        <p:txBody>
-          <a:bodyPr wrap="none" rtlCol="0">
-            <a:spAutoFit/>
-          </a:bodyPr>
-          <a:lstStyle/>
-          <a:p>
-            <a:endParaRPr lang="en-US" dirty="0"/>
-          </a:p>
-        </p:txBody>
-      </p:sp>
     </p:spTree>
     <p:extLst>
       <p:ext uri="{BB962C8B-B14F-4D97-AF65-F5344CB8AC3E}">

--- a/IMG/pyro/pyro_readme.pptx
+++ b/IMG/pyro/pyro_readme.pptx
@@ -3341,7 +3341,7 @@
         </p:nvGrpSpPr>
         <p:grpSpPr>
           <a:xfrm>
-            <a:off x="-441434" y="378759"/>
+            <a:off x="-223261" y="410831"/>
             <a:ext cx="12415261" cy="6447169"/>
             <a:chOff x="-441434" y="-157656"/>
             <a:chExt cx="12415261" cy="6447169"/>
@@ -12015,8 +12015,8 @@
               </a:fontRef>
             </p:style>
           </p:cxnSp>
-          <mc:AlternateContent xmlns:mc="http://schemas.openxmlformats.org/markup-compatibility/2006">
-            <mc:Choice xmlns:a14="http://schemas.microsoft.com/office/drawing/2010/main" Requires="a14">
+          <mc:AlternateContent xmlns:mc="http://schemas.openxmlformats.org/markup-compatibility/2006" xmlns:a14="http://schemas.microsoft.com/office/drawing/2010/main">
+            <mc:Choice Requires="a14">
               <p:sp>
                 <p:nvSpPr>
                   <p:cNvPr id="16" name="TextBox 15">
@@ -12148,7 +12148,7 @@
                 </p:txBody>
               </p:sp>
             </mc:Choice>
-            <mc:Fallback>
+            <mc:Fallback xmlns="">
               <p:sp>
                 <p:nvSpPr>
                   <p:cNvPr id="16" name="TextBox 15">
